--- a/unitTaskFlow.pptx
+++ b/unitTaskFlow.pptx
@@ -8,7 +8,8 @@
     <p:sldId id="258" r:id="rId2"/>
     <p:sldId id="259" r:id="rId3"/>
     <p:sldId id="260" r:id="rId4"/>
-    <p:sldId id="256" r:id="rId5"/>
+    <p:sldId id="261" r:id="rId5"/>
+    <p:sldId id="256" r:id="rId6"/>
   </p:sldIdLst>
   <p:sldSz cx="9144000" cy="6858000" type="screen4x3"/>
   <p:notesSz cx="6858000" cy="9144000"/>
@@ -305,7 +306,7 @@
           <a:p>
             <a:fld id="{777C6190-F7A8-4043-83B7-687FE88626FC}" type="datetimeFigureOut">
               <a:rPr lang="ko-KR" altLang="en-US" smtClean="0"/>
-              <a:t>2023-08-11</a:t>
+              <a:t>2023-08-14</a:t>
             </a:fld>
             <a:endParaRPr lang="ko-KR" altLang="en-US"/>
           </a:p>
@@ -473,7 +474,7 @@
           <a:p>
             <a:fld id="{777C6190-F7A8-4043-83B7-687FE88626FC}" type="datetimeFigureOut">
               <a:rPr lang="ko-KR" altLang="en-US" smtClean="0"/>
-              <a:t>2023-08-11</a:t>
+              <a:t>2023-08-14</a:t>
             </a:fld>
             <a:endParaRPr lang="ko-KR" altLang="en-US"/>
           </a:p>
@@ -651,7 +652,7 @@
           <a:p>
             <a:fld id="{777C6190-F7A8-4043-83B7-687FE88626FC}" type="datetimeFigureOut">
               <a:rPr lang="ko-KR" altLang="en-US" smtClean="0"/>
-              <a:t>2023-08-11</a:t>
+              <a:t>2023-08-14</a:t>
             </a:fld>
             <a:endParaRPr lang="ko-KR" altLang="en-US"/>
           </a:p>
@@ -819,7 +820,7 @@
           <a:p>
             <a:fld id="{777C6190-F7A8-4043-83B7-687FE88626FC}" type="datetimeFigureOut">
               <a:rPr lang="ko-KR" altLang="en-US" smtClean="0"/>
-              <a:t>2023-08-11</a:t>
+              <a:t>2023-08-14</a:t>
             </a:fld>
             <a:endParaRPr lang="ko-KR" altLang="en-US"/>
           </a:p>
@@ -1064,7 +1065,7 @@
           <a:p>
             <a:fld id="{777C6190-F7A8-4043-83B7-687FE88626FC}" type="datetimeFigureOut">
               <a:rPr lang="ko-KR" altLang="en-US" smtClean="0"/>
-              <a:t>2023-08-11</a:t>
+              <a:t>2023-08-14</a:t>
             </a:fld>
             <a:endParaRPr lang="ko-KR" altLang="en-US"/>
           </a:p>
@@ -1349,7 +1350,7 @@
           <a:p>
             <a:fld id="{777C6190-F7A8-4043-83B7-687FE88626FC}" type="datetimeFigureOut">
               <a:rPr lang="ko-KR" altLang="en-US" smtClean="0"/>
-              <a:t>2023-08-11</a:t>
+              <a:t>2023-08-14</a:t>
             </a:fld>
             <a:endParaRPr lang="ko-KR" altLang="en-US"/>
           </a:p>
@@ -1768,7 +1769,7 @@
           <a:p>
             <a:fld id="{777C6190-F7A8-4043-83B7-687FE88626FC}" type="datetimeFigureOut">
               <a:rPr lang="ko-KR" altLang="en-US" smtClean="0"/>
-              <a:t>2023-08-11</a:t>
+              <a:t>2023-08-14</a:t>
             </a:fld>
             <a:endParaRPr lang="ko-KR" altLang="en-US"/>
           </a:p>
@@ -1885,7 +1886,7 @@
           <a:p>
             <a:fld id="{777C6190-F7A8-4043-83B7-687FE88626FC}" type="datetimeFigureOut">
               <a:rPr lang="ko-KR" altLang="en-US" smtClean="0"/>
-              <a:t>2023-08-11</a:t>
+              <a:t>2023-08-14</a:t>
             </a:fld>
             <a:endParaRPr lang="ko-KR" altLang="en-US"/>
           </a:p>
@@ -1980,7 +1981,7 @@
           <a:p>
             <a:fld id="{777C6190-F7A8-4043-83B7-687FE88626FC}" type="datetimeFigureOut">
               <a:rPr lang="ko-KR" altLang="en-US" smtClean="0"/>
-              <a:t>2023-08-11</a:t>
+              <a:t>2023-08-14</a:t>
             </a:fld>
             <a:endParaRPr lang="ko-KR" altLang="en-US"/>
           </a:p>
@@ -2255,7 +2256,7 @@
           <a:p>
             <a:fld id="{777C6190-F7A8-4043-83B7-687FE88626FC}" type="datetimeFigureOut">
               <a:rPr lang="ko-KR" altLang="en-US" smtClean="0"/>
-              <a:t>2023-08-11</a:t>
+              <a:t>2023-08-14</a:t>
             </a:fld>
             <a:endParaRPr lang="ko-KR" altLang="en-US"/>
           </a:p>
@@ -2507,7 +2508,7 @@
           <a:p>
             <a:fld id="{777C6190-F7A8-4043-83B7-687FE88626FC}" type="datetimeFigureOut">
               <a:rPr lang="ko-KR" altLang="en-US" smtClean="0"/>
-              <a:t>2023-08-11</a:t>
+              <a:t>2023-08-14</a:t>
             </a:fld>
             <a:endParaRPr lang="ko-KR" altLang="en-US"/>
           </a:p>
@@ -2718,7 +2719,7 @@
           <a:p>
             <a:fld id="{777C6190-F7A8-4043-83B7-687FE88626FC}" type="datetimeFigureOut">
               <a:rPr lang="ko-KR" altLang="en-US" smtClean="0"/>
-              <a:t>2023-08-11</a:t>
+              <a:t>2023-08-14</a:t>
             </a:fld>
             <a:endParaRPr lang="ko-KR" altLang="en-US"/>
           </a:p>
@@ -6145,7 +6146,7 @@
         <p:spPr>
           <a:xfrm>
             <a:off x="3713448" y="6021288"/>
-            <a:ext cx="1415772" cy="461665"/>
+            <a:ext cx="2778325" cy="461665"/>
           </a:xfrm>
           <a:prstGeom prst="rect">
             <a:avLst/>
@@ -6159,13 +6160,603 @@
           <a:lstStyle/>
           <a:p>
             <a:r>
-              <a:rPr lang="ko-KR" altLang="en-US" sz="2400" b="1">
+              <a:rPr lang="ko-KR" altLang="en-US" sz="2400" b="1" dirty="0" err="1">
+                <a:solidFill>
+                  <a:srgbClr val="FF0000"/>
+                </a:solidFill>
+              </a:rPr>
+              <a:t>윜</a:t>
+            </a:r>
+            <a:r>
+              <a:rPr lang="ko-KR" altLang="en-US" sz="2400" b="1" dirty="0">
+                <a:solidFill>
+                  <a:srgbClr val="FF0000"/>
+                </a:solidFill>
+              </a:rPr>
+              <a:t> 소식 </a:t>
+            </a:r>
+            <a:r>
+              <a:rPr lang="en-US" altLang="ko-KR" sz="2400" b="1" dirty="0">
+                <a:solidFill>
+                  <a:srgbClr val="FF0000"/>
+                </a:solidFill>
+              </a:rPr>
+              <a:t>(</a:t>
+            </a:r>
+            <a:r>
+              <a:rPr lang="ko-KR" altLang="en-US" sz="2400" b="1" dirty="0">
                 <a:solidFill>
                   <a:srgbClr val="FF0000"/>
                 </a:solidFill>
               </a:rPr>
               <a:t>공지사항</a:t>
             </a:r>
+            <a:r>
+              <a:rPr lang="en-US" altLang="ko-KR" sz="2400" b="1" dirty="0">
+                <a:solidFill>
+                  <a:srgbClr val="FF0000"/>
+                </a:solidFill>
+              </a:rPr>
+              <a:t>)</a:t>
+            </a:r>
+            <a:endParaRPr lang="ko-KR" altLang="en-US" sz="2400" b="1" dirty="0">
+              <a:solidFill>
+                <a:srgbClr val="FF0000"/>
+              </a:solidFill>
+            </a:endParaRPr>
+          </a:p>
+        </p:txBody>
+      </p:sp>
+    </p:spTree>
+    <p:extLst>
+      <p:ext uri="{BB962C8B-B14F-4D97-AF65-F5344CB8AC3E}">
+        <p14:creationId xmlns:p14="http://schemas.microsoft.com/office/powerpoint/2010/main" val="2463985224"/>
+      </p:ext>
+    </p:extLst>
+  </p:cSld>
+  <p:clrMapOvr>
+    <a:masterClrMapping/>
+  </p:clrMapOvr>
+</p:sld>
+</file>
+
+<file path=ppt/slides/slide5.xml><?xml version="1.0" encoding="utf-8"?>
+<p:sld xmlns:a="http://schemas.openxmlformats.org/drawingml/2006/main" xmlns:r="http://schemas.openxmlformats.org/officeDocument/2006/relationships" xmlns:p="http://schemas.openxmlformats.org/presentationml/2006/main">
+  <p:cSld>
+    <p:spTree>
+      <p:nvGrpSpPr>
+        <p:cNvPr id="1" name=""/>
+        <p:cNvGrpSpPr/>
+        <p:nvPr/>
+      </p:nvGrpSpPr>
+      <p:grpSpPr>
+        <a:xfrm>
+          <a:off x="0" y="0"/>
+          <a:ext cx="0" cy="0"/>
+          <a:chOff x="0" y="0"/>
+          <a:chExt cx="0" cy="0"/>
+        </a:xfrm>
+      </p:grpSpPr>
+      <p:sp>
+        <p:nvSpPr>
+          <p:cNvPr id="5" name="직사각형 4"/>
+          <p:cNvSpPr/>
+          <p:nvPr/>
+        </p:nvSpPr>
+        <p:spPr>
+          <a:xfrm>
+            <a:off x="269574" y="3212976"/>
+            <a:ext cx="2232248" cy="432048"/>
+          </a:xfrm>
+          <a:prstGeom prst="rect">
+            <a:avLst/>
+          </a:prstGeom>
+        </p:spPr>
+        <p:style>
+          <a:lnRef idx="2">
+            <a:schemeClr val="accent1">
+              <a:shade val="50000"/>
+            </a:schemeClr>
+          </a:lnRef>
+          <a:fillRef idx="1">
+            <a:schemeClr val="accent1"/>
+          </a:fillRef>
+          <a:effectRef idx="0">
+            <a:schemeClr val="accent1"/>
+          </a:effectRef>
+          <a:fontRef idx="minor">
+            <a:schemeClr val="lt1"/>
+          </a:fontRef>
+        </p:style>
+        <p:txBody>
+          <a:bodyPr rtlCol="0" anchor="ctr"/>
+          <a:lstStyle/>
+          <a:p>
+            <a:pPr algn="ctr"/>
+            <a:r>
+              <a:rPr lang="en-US" altLang="ko-KR" dirty="0" err="1"/>
+              <a:t>apply.jsp</a:t>
+            </a:r>
+            <a:endParaRPr lang="ko-KR" altLang="en-US" dirty="0"/>
+          </a:p>
+        </p:txBody>
+      </p:sp>
+      <p:sp>
+        <p:nvSpPr>
+          <p:cNvPr id="6" name="직사각형 5"/>
+          <p:cNvSpPr/>
+          <p:nvPr/>
+        </p:nvSpPr>
+        <p:spPr>
+          <a:xfrm>
+            <a:off x="4262685" y="3212976"/>
+            <a:ext cx="2232248" cy="432048"/>
+          </a:xfrm>
+          <a:prstGeom prst="rect">
+            <a:avLst/>
+          </a:prstGeom>
+        </p:spPr>
+        <p:style>
+          <a:lnRef idx="2">
+            <a:schemeClr val="accent1">
+              <a:shade val="50000"/>
+            </a:schemeClr>
+          </a:lnRef>
+          <a:fillRef idx="1">
+            <a:schemeClr val="accent1"/>
+          </a:fillRef>
+          <a:effectRef idx="0">
+            <a:schemeClr val="accent1"/>
+          </a:effectRef>
+          <a:fontRef idx="minor">
+            <a:schemeClr val="lt1"/>
+          </a:fontRef>
+        </p:style>
+        <p:txBody>
+          <a:bodyPr rtlCol="0" anchor="ctr"/>
+          <a:lstStyle/>
+          <a:p>
+            <a:pPr algn="ctr"/>
+            <a:r>
+              <a:rPr lang="en-US" altLang="ko-KR" dirty="0" err="1"/>
+              <a:t>applyPro.jsp</a:t>
+            </a:r>
+            <a:endParaRPr lang="ko-KR" altLang="en-US" dirty="0"/>
+          </a:p>
+        </p:txBody>
+      </p:sp>
+      <p:sp>
+        <p:nvSpPr>
+          <p:cNvPr id="8" name="원통 7"/>
+          <p:cNvSpPr/>
+          <p:nvPr/>
+        </p:nvSpPr>
+        <p:spPr>
+          <a:xfrm>
+            <a:off x="8154346" y="1772816"/>
+            <a:ext cx="720080" cy="3312368"/>
+          </a:xfrm>
+          <a:prstGeom prst="can">
+            <a:avLst/>
+          </a:prstGeom>
+        </p:spPr>
+        <p:style>
+          <a:lnRef idx="2">
+            <a:schemeClr val="accent3">
+              <a:shade val="50000"/>
+            </a:schemeClr>
+          </a:lnRef>
+          <a:fillRef idx="1">
+            <a:schemeClr val="accent3"/>
+          </a:fillRef>
+          <a:effectRef idx="0">
+            <a:schemeClr val="accent3"/>
+          </a:effectRef>
+          <a:fontRef idx="minor">
+            <a:schemeClr val="lt1"/>
+          </a:fontRef>
+        </p:style>
+        <p:txBody>
+          <a:bodyPr rtlCol="0" anchor="ctr"/>
+          <a:lstStyle/>
+          <a:p>
+            <a:pPr algn="ctr"/>
+            <a:endParaRPr lang="ko-KR" altLang="en-US" dirty="0"/>
+          </a:p>
+        </p:txBody>
+      </p:sp>
+      <p:cxnSp>
+        <p:nvCxnSpPr>
+          <p:cNvPr id="17" name="직선 화살표 연결선 16"/>
+          <p:cNvCxnSpPr>
+            <a:stCxn id="5" idx="3"/>
+            <a:endCxn id="6" idx="1"/>
+          </p:cNvCxnSpPr>
+          <p:nvPr/>
+        </p:nvCxnSpPr>
+        <p:spPr>
+          <a:xfrm>
+            <a:off x="2501822" y="3429000"/>
+            <a:ext cx="1760863" cy="0"/>
+          </a:xfrm>
+          <a:prstGeom prst="straightConnector1">
+            <a:avLst/>
+          </a:prstGeom>
+          <a:ln>
+            <a:tailEnd type="triangle" w="med" len="lg"/>
+          </a:ln>
+        </p:spPr>
+        <p:style>
+          <a:lnRef idx="3">
+            <a:schemeClr val="accent4"/>
+          </a:lnRef>
+          <a:fillRef idx="0">
+            <a:schemeClr val="accent4"/>
+          </a:fillRef>
+          <a:effectRef idx="2">
+            <a:schemeClr val="accent4"/>
+          </a:effectRef>
+          <a:fontRef idx="minor">
+            <a:schemeClr val="tx1"/>
+          </a:fontRef>
+        </p:style>
+      </p:cxnSp>
+      <p:cxnSp>
+        <p:nvCxnSpPr>
+          <p:cNvPr id="19" name="직선 화살표 연결선 18"/>
+          <p:cNvCxnSpPr>
+            <a:cxnSpLocks/>
+            <a:stCxn id="6" idx="3"/>
+            <a:endCxn id="8" idx="2"/>
+          </p:cNvCxnSpPr>
+          <p:nvPr/>
+        </p:nvCxnSpPr>
+        <p:spPr>
+          <a:xfrm>
+            <a:off x="6494933" y="3429000"/>
+            <a:ext cx="1659413" cy="0"/>
+          </a:xfrm>
+          <a:prstGeom prst="straightConnector1">
+            <a:avLst/>
+          </a:prstGeom>
+          <a:ln>
+            <a:tailEnd type="triangle" w="med" len="lg"/>
+          </a:ln>
+        </p:spPr>
+        <p:style>
+          <a:lnRef idx="3">
+            <a:schemeClr val="accent4"/>
+          </a:lnRef>
+          <a:fillRef idx="0">
+            <a:schemeClr val="accent4"/>
+          </a:fillRef>
+          <a:effectRef idx="2">
+            <a:schemeClr val="accent4"/>
+          </a:effectRef>
+          <a:fontRef idx="minor">
+            <a:schemeClr val="tx1"/>
+          </a:fontRef>
+        </p:style>
+      </p:cxnSp>
+      <p:sp>
+        <p:nvSpPr>
+          <p:cNvPr id="20" name="TextBox 19"/>
+          <p:cNvSpPr txBox="1"/>
+          <p:nvPr/>
+        </p:nvSpPr>
+        <p:spPr>
+          <a:xfrm>
+            <a:off x="2734955" y="3059668"/>
+            <a:ext cx="1193147" cy="369332"/>
+          </a:xfrm>
+          <a:prstGeom prst="rect">
+            <a:avLst/>
+          </a:prstGeom>
+          <a:noFill/>
+        </p:spPr>
+        <p:txBody>
+          <a:bodyPr wrap="none" rtlCol="0">
+            <a:spAutoFit/>
+          </a:bodyPr>
+          <a:lstStyle/>
+          <a:p>
+            <a:r>
+              <a:rPr lang="en-US" altLang="ko-KR" dirty="0" err="1"/>
+              <a:t>weekcrew</a:t>
+            </a:r>
+            <a:endParaRPr lang="ko-KR" altLang="en-US" dirty="0"/>
+          </a:p>
+        </p:txBody>
+      </p:sp>
+      <p:sp>
+        <p:nvSpPr>
+          <p:cNvPr id="57" name="TextBox 56"/>
+          <p:cNvSpPr txBox="1"/>
+          <p:nvPr/>
+        </p:nvSpPr>
+        <p:spPr>
+          <a:xfrm>
+            <a:off x="1259632" y="130938"/>
+            <a:ext cx="6600589" cy="707886"/>
+          </a:xfrm>
+          <a:prstGeom prst="rect">
+            <a:avLst/>
+          </a:prstGeom>
+          <a:noFill/>
+        </p:spPr>
+        <p:txBody>
+          <a:bodyPr wrap="none" rtlCol="0">
+            <a:spAutoFit/>
+          </a:bodyPr>
+          <a:lstStyle/>
+          <a:p>
+            <a:r>
+              <a:rPr lang="ko-KR" altLang="en-US" sz="4000" dirty="0"/>
+              <a:t>기능 흐름도</a:t>
+            </a:r>
+            <a:r>
+              <a:rPr lang="en-US" altLang="ko-KR" sz="4000" dirty="0"/>
+              <a:t>(Unit Task Flow)</a:t>
+            </a:r>
+            <a:endParaRPr lang="ko-KR" altLang="en-US" sz="4000" dirty="0"/>
+          </a:p>
+        </p:txBody>
+      </p:sp>
+      <p:sp>
+        <p:nvSpPr>
+          <p:cNvPr id="58" name="AutoShape 2" descr="MariaDB - 나무위키"/>
+          <p:cNvSpPr>
+            <a:spLocks noChangeAspect="1" noChangeArrowheads="1"/>
+          </p:cNvSpPr>
+          <p:nvPr/>
+        </p:nvSpPr>
+        <p:spPr bwMode="auto">
+          <a:xfrm>
+            <a:off x="168275" y="-144463"/>
+            <a:ext cx="304800" cy="304801"/>
+          </a:xfrm>
+          <a:prstGeom prst="rect">
+            <a:avLst/>
+          </a:prstGeom>
+          <a:noFill/>
+          <a:extLst>
+            <a:ext uri="{909E8E84-426E-40DD-AFC4-6F175D3DCCD1}">
+              <a14:hiddenFill xmlns:a14="http://schemas.microsoft.com/office/drawing/2010/main">
+                <a:solidFill>
+                  <a:srgbClr val="FFFFFF"/>
+                </a:solidFill>
+              </a14:hiddenFill>
+            </a:ext>
+          </a:extLst>
+        </p:spPr>
+        <p:txBody>
+          <a:bodyPr vert="horz" wrap="square" lIns="91440" tIns="45720" rIns="91440" bIns="45720" numCol="1" anchor="t" anchorCtr="0" compatLnSpc="1">
+            <a:prstTxWarp prst="textNoShape">
+              <a:avLst/>
+            </a:prstTxWarp>
+          </a:bodyPr>
+          <a:lstStyle/>
+          <a:p>
+            <a:endParaRPr lang="ko-KR" altLang="en-US"/>
+          </a:p>
+        </p:txBody>
+      </p:sp>
+      <p:pic>
+        <p:nvPicPr>
+          <p:cNvPr id="59" name="Picture 4" descr="Amazon RDS for MariaDB – Amazon Web Services(AWS)"/>
+          <p:cNvPicPr>
+            <a:picLocks noChangeAspect="1" noChangeArrowheads="1"/>
+          </p:cNvPicPr>
+          <p:nvPr/>
+        </p:nvPicPr>
+        <p:blipFill>
+          <a:blip r:embed="rId2" cstate="print">
+            <a:extLst>
+              <a:ext uri="{28A0092B-C50C-407E-A947-70E740481C1C}">
+                <a14:useLocalDpi xmlns:a14="http://schemas.microsoft.com/office/drawing/2010/main" val="0"/>
+              </a:ext>
+            </a:extLst>
+          </a:blip>
+          <a:srcRect/>
+          <a:stretch>
+            <a:fillRect/>
+          </a:stretch>
+        </p:blipFill>
+        <p:spPr bwMode="auto">
+          <a:xfrm>
+            <a:off x="8046334" y="4218857"/>
+            <a:ext cx="936104" cy="481818"/>
+          </a:xfrm>
+          <a:prstGeom prst="rect">
+            <a:avLst/>
+          </a:prstGeom>
+          <a:noFill/>
+          <a:extLst>
+            <a:ext uri="{909E8E84-426E-40DD-AFC4-6F175D3DCCD1}">
+              <a14:hiddenFill xmlns:a14="http://schemas.microsoft.com/office/drawing/2010/main">
+                <a:solidFill>
+                  <a:srgbClr val="FFFFFF"/>
+                </a:solidFill>
+              </a14:hiddenFill>
+            </a:ext>
+          </a:extLst>
+        </p:spPr>
+      </p:pic>
+      <p:sp>
+        <p:nvSpPr>
+          <p:cNvPr id="2" name="TextBox 1"/>
+          <p:cNvSpPr txBox="1"/>
+          <p:nvPr/>
+        </p:nvSpPr>
+        <p:spPr>
+          <a:xfrm>
+            <a:off x="2777196" y="5949280"/>
+            <a:ext cx="2991525" cy="461665"/>
+          </a:xfrm>
+          <a:prstGeom prst="rect">
+            <a:avLst/>
+          </a:prstGeom>
+          <a:noFill/>
+        </p:spPr>
+        <p:txBody>
+          <a:bodyPr wrap="none" rtlCol="0">
+            <a:spAutoFit/>
+          </a:bodyPr>
+          <a:lstStyle/>
+          <a:p>
+            <a:r>
+              <a:rPr lang="ko-KR" altLang="en-US" sz="2400" b="1" dirty="0">
+                <a:solidFill>
+                  <a:srgbClr val="FF0000"/>
+                </a:solidFill>
+              </a:rPr>
+              <a:t>인재채용 </a:t>
+            </a:r>
+            <a:r>
+              <a:rPr lang="en-US" altLang="ko-KR" sz="2400" b="1" dirty="0">
+                <a:solidFill>
+                  <a:srgbClr val="FF0000"/>
+                </a:solidFill>
+              </a:rPr>
+              <a:t>- </a:t>
+            </a:r>
+            <a:r>
+              <a:rPr lang="ko-KR" altLang="en-US" sz="2400" b="1" dirty="0">
+                <a:solidFill>
+                  <a:srgbClr val="FF0000"/>
+                </a:solidFill>
+              </a:rPr>
+              <a:t>지원하기</a:t>
+            </a:r>
+          </a:p>
+        </p:txBody>
+      </p:sp>
+      <p:sp>
+        <p:nvSpPr>
+          <p:cNvPr id="12" name="TextBox 11">
+            <a:extLst>
+              <a:ext uri="{FF2B5EF4-FFF2-40B4-BE49-F238E27FC236}">
+                <a16:creationId xmlns:a16="http://schemas.microsoft.com/office/drawing/2014/main" id="{B498A973-F93F-AFCE-7F99-481F879818CD}"/>
+              </a:ext>
+            </a:extLst>
+          </p:cNvPr>
+          <p:cNvSpPr txBox="1"/>
+          <p:nvPr/>
+        </p:nvSpPr>
+        <p:spPr>
+          <a:xfrm>
+            <a:off x="6667074" y="3059668"/>
+            <a:ext cx="1193147" cy="369332"/>
+          </a:xfrm>
+          <a:prstGeom prst="rect">
+            <a:avLst/>
+          </a:prstGeom>
+          <a:noFill/>
+        </p:spPr>
+        <p:txBody>
+          <a:bodyPr wrap="none" rtlCol="0">
+            <a:spAutoFit/>
+          </a:bodyPr>
+          <a:lstStyle/>
+          <a:p>
+            <a:r>
+              <a:rPr lang="en-US" altLang="ko-KR" dirty="0" err="1"/>
+              <a:t>weekcrew</a:t>
+            </a:r>
+            <a:endParaRPr lang="ko-KR" altLang="en-US" dirty="0"/>
+          </a:p>
+        </p:txBody>
+      </p:sp>
+      <p:cxnSp>
+        <p:nvCxnSpPr>
+          <p:cNvPr id="13" name="직선 화살표 연결선 12">
+            <a:extLst>
+              <a:ext uri="{FF2B5EF4-FFF2-40B4-BE49-F238E27FC236}">
+                <a16:creationId xmlns:a16="http://schemas.microsoft.com/office/drawing/2014/main" id="{164689E0-E65E-4385-7F24-54C2891E3251}"/>
+              </a:ext>
+            </a:extLst>
+          </p:cNvPr>
+          <p:cNvCxnSpPr>
+            <a:cxnSpLocks/>
+            <a:stCxn id="6" idx="2"/>
+            <a:endCxn id="28" idx="3"/>
+          </p:cNvCxnSpPr>
+          <p:nvPr/>
+        </p:nvCxnSpPr>
+        <p:spPr>
+          <a:xfrm flipH="1">
+            <a:off x="4806026" y="3645024"/>
+            <a:ext cx="572783" cy="936104"/>
+          </a:xfrm>
+          <a:prstGeom prst="straightConnector1">
+            <a:avLst/>
+          </a:prstGeom>
+          <a:ln>
+            <a:tailEnd type="triangle" w="med" len="lg"/>
+          </a:ln>
+        </p:spPr>
+        <p:style>
+          <a:lnRef idx="3">
+            <a:schemeClr val="accent4"/>
+          </a:lnRef>
+          <a:fillRef idx="0">
+            <a:schemeClr val="accent4"/>
+          </a:fillRef>
+          <a:effectRef idx="2">
+            <a:schemeClr val="accent4"/>
+          </a:effectRef>
+          <a:fontRef idx="minor">
+            <a:schemeClr val="tx1"/>
+          </a:fontRef>
+        </p:style>
+      </p:cxnSp>
+      <p:sp>
+        <p:nvSpPr>
+          <p:cNvPr id="28" name="직사각형 27">
+            <a:extLst>
+              <a:ext uri="{FF2B5EF4-FFF2-40B4-BE49-F238E27FC236}">
+                <a16:creationId xmlns:a16="http://schemas.microsoft.com/office/drawing/2014/main" id="{3B373AB1-5279-0709-2DEB-39464A925F20}"/>
+              </a:ext>
+            </a:extLst>
+          </p:cNvPr>
+          <p:cNvSpPr/>
+          <p:nvPr/>
+        </p:nvSpPr>
+        <p:spPr>
+          <a:xfrm>
+            <a:off x="2573778" y="4365104"/>
+            <a:ext cx="2232248" cy="432048"/>
+          </a:xfrm>
+          <a:prstGeom prst="rect">
+            <a:avLst/>
+          </a:prstGeom>
+        </p:spPr>
+        <p:style>
+          <a:lnRef idx="2">
+            <a:schemeClr val="accent1">
+              <a:shade val="50000"/>
+            </a:schemeClr>
+          </a:lnRef>
+          <a:fillRef idx="1">
+            <a:schemeClr val="accent1"/>
+          </a:fillRef>
+          <a:effectRef idx="0">
+            <a:schemeClr val="accent1"/>
+          </a:effectRef>
+          <a:fontRef idx="minor">
+            <a:schemeClr val="lt1"/>
+          </a:fontRef>
+        </p:style>
+        <p:txBody>
+          <a:bodyPr rtlCol="0" anchor="ctr"/>
+          <a:lstStyle/>
+          <a:p>
+            <a:pPr algn="ctr"/>
+            <a:r>
+              <a:rPr lang="en-US" altLang="ko-KR" dirty="0" err="1"/>
+              <a:t>applyRS.jsp</a:t>
+            </a:r>
+            <a:endParaRPr lang="ko-KR" altLang="en-US" dirty="0"/>
           </a:p>
         </p:txBody>
       </p:sp>

--- a/unitTaskFlow.pptx
+++ b/unitTaskFlow.pptx
@@ -306,7 +306,7 @@
           <a:p>
             <a:fld id="{777C6190-F7A8-4043-83B7-687FE88626FC}" type="datetimeFigureOut">
               <a:rPr lang="ko-KR" altLang="en-US" smtClean="0"/>
-              <a:t>2023-08-14</a:t>
+              <a:t>2023-08-15</a:t>
             </a:fld>
             <a:endParaRPr lang="ko-KR" altLang="en-US"/>
           </a:p>
@@ -474,7 +474,7 @@
           <a:p>
             <a:fld id="{777C6190-F7A8-4043-83B7-687FE88626FC}" type="datetimeFigureOut">
               <a:rPr lang="ko-KR" altLang="en-US" smtClean="0"/>
-              <a:t>2023-08-14</a:t>
+              <a:t>2023-08-15</a:t>
             </a:fld>
             <a:endParaRPr lang="ko-KR" altLang="en-US"/>
           </a:p>
@@ -652,7 +652,7 @@
           <a:p>
             <a:fld id="{777C6190-F7A8-4043-83B7-687FE88626FC}" type="datetimeFigureOut">
               <a:rPr lang="ko-KR" altLang="en-US" smtClean="0"/>
-              <a:t>2023-08-14</a:t>
+              <a:t>2023-08-15</a:t>
             </a:fld>
             <a:endParaRPr lang="ko-KR" altLang="en-US"/>
           </a:p>
@@ -820,7 +820,7 @@
           <a:p>
             <a:fld id="{777C6190-F7A8-4043-83B7-687FE88626FC}" type="datetimeFigureOut">
               <a:rPr lang="ko-KR" altLang="en-US" smtClean="0"/>
-              <a:t>2023-08-14</a:t>
+              <a:t>2023-08-15</a:t>
             </a:fld>
             <a:endParaRPr lang="ko-KR" altLang="en-US"/>
           </a:p>
@@ -1065,7 +1065,7 @@
           <a:p>
             <a:fld id="{777C6190-F7A8-4043-83B7-687FE88626FC}" type="datetimeFigureOut">
               <a:rPr lang="ko-KR" altLang="en-US" smtClean="0"/>
-              <a:t>2023-08-14</a:t>
+              <a:t>2023-08-15</a:t>
             </a:fld>
             <a:endParaRPr lang="ko-KR" altLang="en-US"/>
           </a:p>
@@ -1350,7 +1350,7 @@
           <a:p>
             <a:fld id="{777C6190-F7A8-4043-83B7-687FE88626FC}" type="datetimeFigureOut">
               <a:rPr lang="ko-KR" altLang="en-US" smtClean="0"/>
-              <a:t>2023-08-14</a:t>
+              <a:t>2023-08-15</a:t>
             </a:fld>
             <a:endParaRPr lang="ko-KR" altLang="en-US"/>
           </a:p>
@@ -1769,7 +1769,7 @@
           <a:p>
             <a:fld id="{777C6190-F7A8-4043-83B7-687FE88626FC}" type="datetimeFigureOut">
               <a:rPr lang="ko-KR" altLang="en-US" smtClean="0"/>
-              <a:t>2023-08-14</a:t>
+              <a:t>2023-08-15</a:t>
             </a:fld>
             <a:endParaRPr lang="ko-KR" altLang="en-US"/>
           </a:p>
@@ -1886,7 +1886,7 @@
           <a:p>
             <a:fld id="{777C6190-F7A8-4043-83B7-687FE88626FC}" type="datetimeFigureOut">
               <a:rPr lang="ko-KR" altLang="en-US" smtClean="0"/>
-              <a:t>2023-08-14</a:t>
+              <a:t>2023-08-15</a:t>
             </a:fld>
             <a:endParaRPr lang="ko-KR" altLang="en-US"/>
           </a:p>
@@ -1981,7 +1981,7 @@
           <a:p>
             <a:fld id="{777C6190-F7A8-4043-83B7-687FE88626FC}" type="datetimeFigureOut">
               <a:rPr lang="ko-KR" altLang="en-US" smtClean="0"/>
-              <a:t>2023-08-14</a:t>
+              <a:t>2023-08-15</a:t>
             </a:fld>
             <a:endParaRPr lang="ko-KR" altLang="en-US"/>
           </a:p>
@@ -2256,7 +2256,7 @@
           <a:p>
             <a:fld id="{777C6190-F7A8-4043-83B7-687FE88626FC}" type="datetimeFigureOut">
               <a:rPr lang="ko-KR" altLang="en-US" smtClean="0"/>
-              <a:t>2023-08-14</a:t>
+              <a:t>2023-08-15</a:t>
             </a:fld>
             <a:endParaRPr lang="ko-KR" altLang="en-US"/>
           </a:p>
@@ -2508,7 +2508,7 @@
           <a:p>
             <a:fld id="{777C6190-F7A8-4043-83B7-687FE88626FC}" type="datetimeFigureOut">
               <a:rPr lang="ko-KR" altLang="en-US" smtClean="0"/>
-              <a:t>2023-08-14</a:t>
+              <a:t>2023-08-15</a:t>
             </a:fld>
             <a:endParaRPr lang="ko-KR" altLang="en-US"/>
           </a:p>
@@ -2719,7 +2719,7 @@
           <a:p>
             <a:fld id="{777C6190-F7A8-4043-83B7-687FE88626FC}" type="datetimeFigureOut">
               <a:rPr lang="ko-KR" altLang="en-US" smtClean="0"/>
-              <a:t>2023-08-14</a:t>
+              <a:t>2023-08-15</a:t>
             </a:fld>
             <a:endParaRPr lang="ko-KR" altLang="en-US"/>
           </a:p>
